--- a/Presentation1.pptx
+++ b/Presentation1.pptx
@@ -13402,16 +13402,23 @@
           <a:p>
             <a:r>
               <a:rPr lang="en-IE" dirty="0"/>
-              <a:t>Game will have </a:t>
+              <a:t>Game will have catch game formula with a twist, musical elements that will make it more fun and addictive. </a:t>
             </a:r>
-            <a:r>
-              <a:rPr lang="en-IE" dirty="0" err="1"/>
-              <a:t>have</a:t>
-            </a:r>
+          </a:p>
+          <a:p>
             <a:r>
               <a:rPr lang="en-IE" dirty="0"/>
-              <a:t> </a:t>
+              <a:t>Will be rhythm focused, with notes falling and a instrument sprite having to catch specific ones.  </a:t>
             </a:r>
+          </a:p>
+          <a:p>
+            <a:r>
+              <a:rPr lang="en-IE" dirty="0"/>
+              <a:t>You will have to play along with songs which will bring in players</a:t>
+            </a:r>
+          </a:p>
+          <a:p>
+            <a:endParaRPr lang="en-IE" dirty="0"/>
           </a:p>
         </p:txBody>
       </p:sp>
@@ -13581,7 +13588,26 @@
           <a:bodyPr/>
           <a:lstStyle/>
           <a:p>
-            <a:endParaRPr lang="en-IE"/>
+            <a:r>
+              <a:rPr lang="en-IE" dirty="0"/>
+              <a:t>Main pillar will be music, this will have an original track but also have some licenced song to bring in players easier. </a:t>
+            </a:r>
+          </a:p>
+          <a:p>
+            <a:r>
+              <a:rPr lang="en-IE" dirty="0"/>
+              <a:t>Sprites will be important to this game as they be seen by the player so often and must have satisfying animations like when a sprite catches a notes. </a:t>
+            </a:r>
+          </a:p>
+          <a:p>
+            <a:r>
+              <a:rPr lang="en-IE" dirty="0"/>
+              <a:t>Difficulty will be important as it will keep the player interest as time goes on, it will have to get harder over time or </a:t>
+            </a:r>
+            <a:r>
+              <a:rPr lang="en-IE"/>
+              <a:t>have levels </a:t>
+            </a:r>
           </a:p>
         </p:txBody>
       </p:sp>
